--- a/doc/SoftwareDesign/ServerController/serverControllerDesign.pptx
+++ b/doc/SoftwareDesign/ServerController/serverControllerDesign.pptx
@@ -261,7 +261,7 @@
           <a:p>
             <a:fld id="{F0673449-199C-4B54-A3AD-6F75DF9A2294}" type="datetimeFigureOut">
               <a:rPr lang="zh-CN" altLang="en-US" smtClean="0"/>
-              <a:t>2020/7/20</a:t>
+              <a:t>2020/8/9</a:t>
             </a:fld>
             <a:endParaRPr lang="zh-CN" altLang="en-US"/>
           </a:p>
@@ -459,7 +459,7 @@
           <a:p>
             <a:fld id="{F0673449-199C-4B54-A3AD-6F75DF9A2294}" type="datetimeFigureOut">
               <a:rPr lang="zh-CN" altLang="en-US" smtClean="0"/>
-              <a:t>2020/7/20</a:t>
+              <a:t>2020/8/9</a:t>
             </a:fld>
             <a:endParaRPr lang="zh-CN" altLang="en-US"/>
           </a:p>
@@ -667,7 +667,7 @@
           <a:p>
             <a:fld id="{F0673449-199C-4B54-A3AD-6F75DF9A2294}" type="datetimeFigureOut">
               <a:rPr lang="zh-CN" altLang="en-US" smtClean="0"/>
-              <a:t>2020/7/20</a:t>
+              <a:t>2020/8/9</a:t>
             </a:fld>
             <a:endParaRPr lang="zh-CN" altLang="en-US"/>
           </a:p>
@@ -865,7 +865,7 @@
           <a:p>
             <a:fld id="{F0673449-199C-4B54-A3AD-6F75DF9A2294}" type="datetimeFigureOut">
               <a:rPr lang="zh-CN" altLang="en-US" smtClean="0"/>
-              <a:t>2020/7/20</a:t>
+              <a:t>2020/8/9</a:t>
             </a:fld>
             <a:endParaRPr lang="zh-CN" altLang="en-US"/>
           </a:p>
@@ -1140,7 +1140,7 @@
           <a:p>
             <a:fld id="{F0673449-199C-4B54-A3AD-6F75DF9A2294}" type="datetimeFigureOut">
               <a:rPr lang="zh-CN" altLang="en-US" smtClean="0"/>
-              <a:t>2020/7/20</a:t>
+              <a:t>2020/8/9</a:t>
             </a:fld>
             <a:endParaRPr lang="zh-CN" altLang="en-US"/>
           </a:p>
@@ -1405,7 +1405,7 @@
           <a:p>
             <a:fld id="{F0673449-199C-4B54-A3AD-6F75DF9A2294}" type="datetimeFigureOut">
               <a:rPr lang="zh-CN" altLang="en-US" smtClean="0"/>
-              <a:t>2020/7/20</a:t>
+              <a:t>2020/8/9</a:t>
             </a:fld>
             <a:endParaRPr lang="zh-CN" altLang="en-US"/>
           </a:p>
@@ -1817,7 +1817,7 @@
           <a:p>
             <a:fld id="{F0673449-199C-4B54-A3AD-6F75DF9A2294}" type="datetimeFigureOut">
               <a:rPr lang="zh-CN" altLang="en-US" smtClean="0"/>
-              <a:t>2020/7/20</a:t>
+              <a:t>2020/8/9</a:t>
             </a:fld>
             <a:endParaRPr lang="zh-CN" altLang="en-US"/>
           </a:p>
@@ -1958,7 +1958,7 @@
           <a:p>
             <a:fld id="{F0673449-199C-4B54-A3AD-6F75DF9A2294}" type="datetimeFigureOut">
               <a:rPr lang="zh-CN" altLang="en-US" smtClean="0"/>
-              <a:t>2020/7/20</a:t>
+              <a:t>2020/8/9</a:t>
             </a:fld>
             <a:endParaRPr lang="zh-CN" altLang="en-US"/>
           </a:p>
@@ -2071,7 +2071,7 @@
           <a:p>
             <a:fld id="{F0673449-199C-4B54-A3AD-6F75DF9A2294}" type="datetimeFigureOut">
               <a:rPr lang="zh-CN" altLang="en-US" smtClean="0"/>
-              <a:t>2020/7/20</a:t>
+              <a:t>2020/8/9</a:t>
             </a:fld>
             <a:endParaRPr lang="zh-CN" altLang="en-US"/>
           </a:p>
@@ -2382,7 +2382,7 @@
           <a:p>
             <a:fld id="{F0673449-199C-4B54-A3AD-6F75DF9A2294}" type="datetimeFigureOut">
               <a:rPr lang="zh-CN" altLang="en-US" smtClean="0"/>
-              <a:t>2020/7/20</a:t>
+              <a:t>2020/8/9</a:t>
             </a:fld>
             <a:endParaRPr lang="zh-CN" altLang="en-US"/>
           </a:p>
@@ -2670,7 +2670,7 @@
           <a:p>
             <a:fld id="{F0673449-199C-4B54-A3AD-6F75DF9A2294}" type="datetimeFigureOut">
               <a:rPr lang="zh-CN" altLang="en-US" smtClean="0"/>
-              <a:t>2020/7/20</a:t>
+              <a:t>2020/8/9</a:t>
             </a:fld>
             <a:endParaRPr lang="zh-CN" altLang="en-US"/>
           </a:p>
@@ -2911,7 +2911,7 @@
           <a:p>
             <a:fld id="{F0673449-199C-4B54-A3AD-6F75DF9A2294}" type="datetimeFigureOut">
               <a:rPr lang="zh-CN" altLang="en-US" smtClean="0"/>
-              <a:t>2020/7/20</a:t>
+              <a:t>2020/8/9</a:t>
             </a:fld>
             <a:endParaRPr lang="zh-CN" altLang="en-US"/>
           </a:p>
@@ -4251,7 +4251,7 @@
         <p:spPr>
           <a:xfrm>
             <a:off x="7172541" y="1946302"/>
-            <a:ext cx="1697901" cy="369332"/>
+            <a:ext cx="1592103" cy="369332"/>
           </a:xfrm>
           <a:prstGeom prst="rect">
             <a:avLst/>
@@ -4266,7 +4266,7 @@
           <a:p>
             <a:r>
               <a:rPr lang="en-US" altLang="zh-CN" b="1" dirty="0" err="1"/>
-              <a:t>BessController</a:t>
+              <a:t>SFFController</a:t>
             </a:r>
             <a:endParaRPr lang="zh-CN" altLang="en-US" b="1" dirty="0"/>
           </a:p>
@@ -5471,7 +5471,7 @@
         <p:spPr>
           <a:xfrm>
             <a:off x="1568733" y="2034265"/>
-            <a:ext cx="1978427" cy="369332"/>
+            <a:ext cx="1568058" cy="369332"/>
           </a:xfrm>
           <a:prstGeom prst="rect">
             <a:avLst/>
@@ -5486,7 +5486,7 @@
           <a:p>
             <a:r>
               <a:rPr lang="en-US" altLang="zh-CN" b="1" dirty="0" err="1"/>
-              <a:t>DockerController</a:t>
+              <a:t>vnfController</a:t>
             </a:r>
             <a:endParaRPr lang="zh-CN" altLang="en-US" b="1" dirty="0"/>
           </a:p>
